--- a/HumbasEngglin_Cornelius_AR.pptx
+++ b/HumbasEngglin_Cornelius_AR.pptx
@@ -12330,7 +12330,7 @@
               <a:t> </a:t>
             </a:r>
             <a:r>
-              <a:rPr lang="en-US" sz="1200" kern="1200">
+              <a:rPr lang="en-US" sz="1200" kern="1200" dirty="0" err="1">
                 <a:solidFill>
                   <a:schemeClr val="tx1"/>
                 </a:solidFill>
@@ -12341,7 +12341,7 @@
               </a:rPr>
               <a:t>lanjut</a:t>
             </a:r>
-            <a:endParaRPr lang="en-US" sz="1100" kern="1200">
+            <a:endParaRPr lang="en-US" sz="1100" kern="1200" dirty="0">
               <a:solidFill>
                 <a:schemeClr val="tx1"/>
               </a:solidFill>
